--- a/XY_demo.pptx
+++ b/XY_demo.pptx
@@ -6,6 +6,7 @@
   </p:sldMasterIdLst>
   <p:sldIdLst>
     <p:sldId id="256" r:id="rId2"/>
+    <p:sldId id="257" r:id="rId3"/>
   </p:sldIdLst>
   <p:sldSz cx="9144000" cy="6858000" type="screen4x3"/>
   <p:notesSz cx="6858000" cy="9144000"/>
@@ -288,7 +289,7 @@
           <a:p>
             <a:fld id="{3F9A977D-60CF-FB40-A749-C7816D5E957B}" type="datetimeFigureOut">
               <a:rPr lang="en-US" smtClean="0"/>
-              <a:t>10/16/15</a:t>
+              <a:t>11/12/15</a:t>
             </a:fld>
             <a:endParaRPr lang="en-US"/>
           </a:p>
@@ -458,7 +459,7 @@
           <a:p>
             <a:fld id="{3F9A977D-60CF-FB40-A749-C7816D5E957B}" type="datetimeFigureOut">
               <a:rPr lang="en-US" smtClean="0"/>
-              <a:t>10/16/15</a:t>
+              <a:t>11/12/15</a:t>
             </a:fld>
             <a:endParaRPr lang="en-US"/>
           </a:p>
@@ -638,7 +639,7 @@
           <a:p>
             <a:fld id="{3F9A977D-60CF-FB40-A749-C7816D5E957B}" type="datetimeFigureOut">
               <a:rPr lang="en-US" smtClean="0"/>
-              <a:t>10/16/15</a:t>
+              <a:t>11/12/15</a:t>
             </a:fld>
             <a:endParaRPr lang="en-US"/>
           </a:p>
@@ -808,7 +809,7 @@
           <a:p>
             <a:fld id="{3F9A977D-60CF-FB40-A749-C7816D5E957B}" type="datetimeFigureOut">
               <a:rPr lang="en-US" smtClean="0"/>
-              <a:t>10/16/15</a:t>
+              <a:t>11/12/15</a:t>
             </a:fld>
             <a:endParaRPr lang="en-US"/>
           </a:p>
@@ -1054,7 +1055,7 @@
           <a:p>
             <a:fld id="{3F9A977D-60CF-FB40-A749-C7816D5E957B}" type="datetimeFigureOut">
               <a:rPr lang="en-US" smtClean="0"/>
-              <a:t>10/16/15</a:t>
+              <a:t>11/12/15</a:t>
             </a:fld>
             <a:endParaRPr lang="en-US"/>
           </a:p>
@@ -1342,7 +1343,7 @@
           <a:p>
             <a:fld id="{3F9A977D-60CF-FB40-A749-C7816D5E957B}" type="datetimeFigureOut">
               <a:rPr lang="en-US" smtClean="0"/>
-              <a:t>10/16/15</a:t>
+              <a:t>11/12/15</a:t>
             </a:fld>
             <a:endParaRPr lang="en-US"/>
           </a:p>
@@ -1764,7 +1765,7 @@
           <a:p>
             <a:fld id="{3F9A977D-60CF-FB40-A749-C7816D5E957B}" type="datetimeFigureOut">
               <a:rPr lang="en-US" smtClean="0"/>
-              <a:t>10/16/15</a:t>
+              <a:t>11/12/15</a:t>
             </a:fld>
             <a:endParaRPr lang="en-US"/>
           </a:p>
@@ -1882,7 +1883,7 @@
           <a:p>
             <a:fld id="{3F9A977D-60CF-FB40-A749-C7816D5E957B}" type="datetimeFigureOut">
               <a:rPr lang="en-US" smtClean="0"/>
-              <a:t>10/16/15</a:t>
+              <a:t>11/12/15</a:t>
             </a:fld>
             <a:endParaRPr lang="en-US"/>
           </a:p>
@@ -1977,7 +1978,7 @@
           <a:p>
             <a:fld id="{3F9A977D-60CF-FB40-A749-C7816D5E957B}" type="datetimeFigureOut">
               <a:rPr lang="en-US" smtClean="0"/>
-              <a:t>10/16/15</a:t>
+              <a:t>11/12/15</a:t>
             </a:fld>
             <a:endParaRPr lang="en-US"/>
           </a:p>
@@ -2254,7 +2255,7 @@
           <a:p>
             <a:fld id="{3F9A977D-60CF-FB40-A749-C7816D5E957B}" type="datetimeFigureOut">
               <a:rPr lang="en-US" smtClean="0"/>
-              <a:t>10/16/15</a:t>
+              <a:t>11/12/15</a:t>
             </a:fld>
             <a:endParaRPr lang="en-US"/>
           </a:p>
@@ -2507,7 +2508,7 @@
           <a:p>
             <a:fld id="{3F9A977D-60CF-FB40-A749-C7816D5E957B}" type="datetimeFigureOut">
               <a:rPr lang="en-US" smtClean="0"/>
-              <a:t>10/16/15</a:t>
+              <a:t>11/12/15</a:t>
             </a:fld>
             <a:endParaRPr lang="en-US"/>
           </a:p>
@@ -2720,7 +2721,7 @@
           <a:p>
             <a:fld id="{3F9A977D-60CF-FB40-A749-C7816D5E957B}" type="datetimeFigureOut">
               <a:rPr lang="en-US" smtClean="0"/>
-              <a:t>10/16/15</a:t>
+              <a:t>11/12/15</a:t>
             </a:fld>
             <a:endParaRPr lang="en-US"/>
           </a:p>
@@ -3780,6 +3781,1615 @@
 </p:sld>
 </file>
 
+<file path=ppt/slides/slide2.xml><?xml version="1.0" encoding="utf-8"?>
+<p:sld xmlns:a="http://schemas.openxmlformats.org/drawingml/2006/main" xmlns:r="http://schemas.openxmlformats.org/officeDocument/2006/relationships" xmlns:p="http://schemas.openxmlformats.org/presentationml/2006/main">
+  <p:cSld>
+    <p:spTree>
+      <p:nvGrpSpPr>
+        <p:cNvPr id="1" name=""/>
+        <p:cNvGrpSpPr/>
+        <p:nvPr/>
+      </p:nvGrpSpPr>
+      <p:grpSpPr>
+        <a:xfrm>
+          <a:off x="0" y="0"/>
+          <a:ext cx="0" cy="0"/>
+          <a:chOff x="0" y="0"/>
+          <a:chExt cx="0" cy="0"/>
+        </a:xfrm>
+      </p:grpSpPr>
+      <p:grpSp>
+        <p:nvGrpSpPr>
+          <p:cNvPr id="54" name="Group 53"/>
+          <p:cNvGrpSpPr/>
+          <p:nvPr/>
+        </p:nvGrpSpPr>
+        <p:grpSpPr>
+          <a:xfrm>
+            <a:off x="1825307" y="-384721"/>
+            <a:ext cx="14258234" cy="7015648"/>
+            <a:chOff x="1825307" y="-384721"/>
+            <a:chExt cx="14258234" cy="7015648"/>
+          </a:xfrm>
+        </p:grpSpPr>
+        <p:grpSp>
+          <p:nvGrpSpPr>
+            <p:cNvPr id="48" name="Group 47"/>
+            <p:cNvGrpSpPr/>
+            <p:nvPr/>
+          </p:nvGrpSpPr>
+          <p:grpSpPr>
+            <a:xfrm>
+              <a:off x="5136272" y="-384721"/>
+              <a:ext cx="3821595" cy="1487418"/>
+              <a:chOff x="5136272" y="-384721"/>
+              <a:chExt cx="3821595" cy="1487418"/>
+            </a:xfrm>
+          </p:grpSpPr>
+          <p:grpSp>
+            <p:nvGrpSpPr>
+              <p:cNvPr id="8" name="Group 7"/>
+              <p:cNvGrpSpPr/>
+              <p:nvPr/>
+            </p:nvGrpSpPr>
+            <p:grpSpPr>
+              <a:xfrm>
+                <a:off x="5136272" y="535138"/>
+                <a:ext cx="3821595" cy="567559"/>
+                <a:chOff x="1665705" y="2513474"/>
+                <a:chExt cx="3821595" cy="567559"/>
+              </a:xfrm>
+            </p:grpSpPr>
+            <p:sp>
+              <p:nvSpPr>
+                <p:cNvPr id="18" name="Oval 17"/>
+                <p:cNvSpPr/>
+                <p:nvPr/>
+              </p:nvSpPr>
+              <p:spPr>
+                <a:xfrm>
+                  <a:off x="1665705" y="2513474"/>
+                  <a:ext cx="567489" cy="567559"/>
+                </a:xfrm>
+                <a:prstGeom prst="ellipse">
+                  <a:avLst/>
+                </a:prstGeom>
+                <a:solidFill>
+                  <a:srgbClr val="C0504D"/>
+                </a:solidFill>
+                <a:ln>
+                  <a:noFill/>
+                </a:ln>
+              </p:spPr>
+              <p:style>
+                <a:lnRef idx="1">
+                  <a:schemeClr val="accent1"/>
+                </a:lnRef>
+                <a:fillRef idx="3">
+                  <a:schemeClr val="accent1"/>
+                </a:fillRef>
+                <a:effectRef idx="2">
+                  <a:schemeClr val="accent1"/>
+                </a:effectRef>
+                <a:fontRef idx="minor">
+                  <a:schemeClr val="lt1"/>
+                </a:fontRef>
+              </p:style>
+              <p:txBody>
+                <a:bodyPr rtlCol="0" anchor="ctr"/>
+                <a:lstStyle/>
+                <a:p>
+                  <a:pPr algn="ctr"/>
+                  <a:endParaRPr lang="en-US"/>
+                </a:p>
+              </p:txBody>
+            </p:sp>
+            <p:sp>
+              <p:nvSpPr>
+                <p:cNvPr id="19" name="Oval 18"/>
+                <p:cNvSpPr/>
+                <p:nvPr/>
+              </p:nvSpPr>
+              <p:spPr>
+                <a:xfrm>
+                  <a:off x="2503424" y="2513474"/>
+                  <a:ext cx="567489" cy="567559"/>
+                </a:xfrm>
+                <a:prstGeom prst="ellipse">
+                  <a:avLst/>
+                </a:prstGeom>
+                <a:solidFill>
+                  <a:srgbClr val="C0504D"/>
+                </a:solidFill>
+                <a:ln>
+                  <a:noFill/>
+                </a:ln>
+              </p:spPr>
+              <p:style>
+                <a:lnRef idx="1">
+                  <a:schemeClr val="accent1"/>
+                </a:lnRef>
+                <a:fillRef idx="3">
+                  <a:schemeClr val="accent1"/>
+                </a:fillRef>
+                <a:effectRef idx="2">
+                  <a:schemeClr val="accent1"/>
+                </a:effectRef>
+                <a:fontRef idx="minor">
+                  <a:schemeClr val="lt1"/>
+                </a:fontRef>
+              </p:style>
+              <p:txBody>
+                <a:bodyPr rtlCol="0" anchor="ctr"/>
+                <a:lstStyle/>
+                <a:p>
+                  <a:pPr algn="ctr"/>
+                  <a:endParaRPr lang="en-US"/>
+                </a:p>
+              </p:txBody>
+            </p:sp>
+            <p:sp>
+              <p:nvSpPr>
+                <p:cNvPr id="20" name="Oval 19"/>
+                <p:cNvSpPr/>
+                <p:nvPr/>
+              </p:nvSpPr>
+              <p:spPr>
+                <a:xfrm>
+                  <a:off x="3314123" y="2513474"/>
+                  <a:ext cx="567489" cy="567559"/>
+                </a:xfrm>
+                <a:prstGeom prst="ellipse">
+                  <a:avLst/>
+                </a:prstGeom>
+                <a:solidFill>
+                  <a:srgbClr val="C0504D"/>
+                </a:solidFill>
+                <a:ln>
+                  <a:noFill/>
+                </a:ln>
+              </p:spPr>
+              <p:style>
+                <a:lnRef idx="1">
+                  <a:schemeClr val="accent1"/>
+                </a:lnRef>
+                <a:fillRef idx="3">
+                  <a:schemeClr val="accent1"/>
+                </a:fillRef>
+                <a:effectRef idx="2">
+                  <a:schemeClr val="accent1"/>
+                </a:effectRef>
+                <a:fontRef idx="minor">
+                  <a:schemeClr val="lt1"/>
+                </a:fontRef>
+              </p:style>
+              <p:txBody>
+                <a:bodyPr rtlCol="0" anchor="ctr"/>
+                <a:lstStyle/>
+                <a:p>
+                  <a:pPr algn="ctr"/>
+                  <a:endParaRPr lang="en-US"/>
+                </a:p>
+              </p:txBody>
+            </p:sp>
+            <p:sp>
+              <p:nvSpPr>
+                <p:cNvPr id="21" name="Oval 20"/>
+                <p:cNvSpPr/>
+                <p:nvPr/>
+              </p:nvSpPr>
+              <p:spPr>
+                <a:xfrm>
+                  <a:off x="4078319" y="2513474"/>
+                  <a:ext cx="567489" cy="567559"/>
+                </a:xfrm>
+                <a:prstGeom prst="ellipse">
+                  <a:avLst/>
+                </a:prstGeom>
+                <a:solidFill>
+                  <a:srgbClr val="C0504D"/>
+                </a:solidFill>
+                <a:ln>
+                  <a:noFill/>
+                </a:ln>
+              </p:spPr>
+              <p:style>
+                <a:lnRef idx="1">
+                  <a:schemeClr val="accent1"/>
+                </a:lnRef>
+                <a:fillRef idx="3">
+                  <a:schemeClr val="accent1"/>
+                </a:fillRef>
+                <a:effectRef idx="2">
+                  <a:schemeClr val="accent1"/>
+                </a:effectRef>
+                <a:fontRef idx="minor">
+                  <a:schemeClr val="lt1"/>
+                </a:fontRef>
+              </p:style>
+              <p:txBody>
+                <a:bodyPr rtlCol="0" anchor="ctr"/>
+                <a:lstStyle/>
+                <a:p>
+                  <a:pPr algn="ctr"/>
+                  <a:endParaRPr lang="en-US"/>
+                </a:p>
+              </p:txBody>
+            </p:sp>
+            <p:sp>
+              <p:nvSpPr>
+                <p:cNvPr id="22" name="Oval 21"/>
+                <p:cNvSpPr/>
+                <p:nvPr/>
+              </p:nvSpPr>
+              <p:spPr>
+                <a:xfrm>
+                  <a:off x="4919811" y="2513474"/>
+                  <a:ext cx="567489" cy="567559"/>
+                </a:xfrm>
+                <a:prstGeom prst="ellipse">
+                  <a:avLst/>
+                </a:prstGeom>
+                <a:solidFill>
+                  <a:srgbClr val="C0504D"/>
+                </a:solidFill>
+                <a:ln>
+                  <a:noFill/>
+                </a:ln>
+              </p:spPr>
+              <p:style>
+                <a:lnRef idx="1">
+                  <a:schemeClr val="accent1"/>
+                </a:lnRef>
+                <a:fillRef idx="3">
+                  <a:schemeClr val="accent1"/>
+                </a:fillRef>
+                <a:effectRef idx="2">
+                  <a:schemeClr val="accent1"/>
+                </a:effectRef>
+                <a:fontRef idx="minor">
+                  <a:schemeClr val="lt1"/>
+                </a:fontRef>
+              </p:style>
+              <p:txBody>
+                <a:bodyPr rtlCol="0" anchor="ctr"/>
+                <a:lstStyle/>
+                <a:p>
+                  <a:pPr algn="ctr"/>
+                  <a:endParaRPr lang="en-US"/>
+                </a:p>
+              </p:txBody>
+            </p:sp>
+          </p:grpSp>
+          <p:sp>
+            <p:nvSpPr>
+              <p:cNvPr id="6" name="TextBox 5"/>
+              <p:cNvSpPr txBox="1"/>
+              <p:nvPr/>
+            </p:nvSpPr>
+            <p:spPr>
+              <a:xfrm>
+                <a:off x="6780150" y="-384721"/>
+                <a:ext cx="681697" cy="769441"/>
+              </a:xfrm>
+              <a:prstGeom prst="rect">
+                <a:avLst/>
+              </a:prstGeom>
+              <a:noFill/>
+            </p:spPr>
+            <p:txBody>
+              <a:bodyPr wrap="none" rtlCol="0">
+                <a:spAutoFit/>
+              </a:bodyPr>
+              <a:lstStyle/>
+              <a:p>
+                <a:r>
+                  <a:rPr lang="en-US" altLang="zh-CN" sz="4400" dirty="0" smtClean="0"/>
+                  <a:t>R</a:t>
+                </a:r>
+                <a:r>
+                  <a:rPr lang="en-US" altLang="zh-CN" sz="4400" baseline="-25000" dirty="0" smtClean="0"/>
+                  <a:t>0</a:t>
+                </a:r>
+                <a:endParaRPr lang="en-US" sz="4400" dirty="0"/>
+              </a:p>
+            </p:txBody>
+          </p:sp>
+        </p:grpSp>
+        <p:grpSp>
+          <p:nvGrpSpPr>
+            <p:cNvPr id="50" name="Group 49"/>
+            <p:cNvGrpSpPr/>
+            <p:nvPr/>
+          </p:nvGrpSpPr>
+          <p:grpSpPr>
+            <a:xfrm>
+              <a:off x="1825307" y="1282573"/>
+              <a:ext cx="3163824" cy="1586305"/>
+              <a:chOff x="1825307" y="1282573"/>
+              <a:chExt cx="3163824" cy="1586305"/>
+            </a:xfrm>
+          </p:grpSpPr>
+          <p:sp>
+            <p:nvSpPr>
+              <p:cNvPr id="7" name="TextBox 6"/>
+              <p:cNvSpPr txBox="1"/>
+              <p:nvPr/>
+            </p:nvSpPr>
+            <p:spPr>
+              <a:xfrm>
+                <a:off x="3015831" y="1282573"/>
+                <a:ext cx="676187" cy="769441"/>
+              </a:xfrm>
+              <a:prstGeom prst="rect">
+                <a:avLst/>
+              </a:prstGeom>
+              <a:noFill/>
+            </p:spPr>
+            <p:txBody>
+              <a:bodyPr wrap="none" rtlCol="0">
+                <a:spAutoFit/>
+              </a:bodyPr>
+              <a:lstStyle/>
+              <a:p>
+                <a:r>
+                  <a:rPr lang="en-US" altLang="zh-CN" sz="4400" dirty="0" smtClean="0"/>
+                  <a:t>C</a:t>
+                </a:r>
+                <a:r>
+                  <a:rPr lang="en-US" altLang="zh-CN" sz="4400" baseline="-25000" dirty="0" smtClean="0"/>
+                  <a:t>1</a:t>
+                </a:r>
+                <a:endParaRPr lang="en-US" sz="4400" dirty="0"/>
+              </a:p>
+            </p:txBody>
+          </p:sp>
+          <p:pic>
+            <p:nvPicPr>
+              <p:cNvPr id="25" name="Picture 24" descr="box.png"/>
+              <p:cNvPicPr>
+                <a:picLocks noChangeAspect="1"/>
+              </p:cNvPicPr>
+              <p:nvPr/>
+            </p:nvPicPr>
+            <p:blipFill>
+              <a:blip r:embed="rId2">
+                <a:extLst>
+                  <a:ext uri="{28A0092B-C50C-407E-A947-70E740481C1C}">
+                    <a14:useLocalDpi xmlns:a14="http://schemas.microsoft.com/office/drawing/2010/main" val="0"/>
+                  </a:ext>
+                </a:extLst>
+              </a:blip>
+              <a:stretch>
+                <a:fillRect/>
+              </a:stretch>
+            </p:blipFill>
+            <p:spPr>
+              <a:xfrm>
+                <a:off x="1825307" y="2052014"/>
+                <a:ext cx="3163824" cy="816864"/>
+              </a:xfrm>
+              <a:prstGeom prst="rect">
+                <a:avLst/>
+              </a:prstGeom>
+              <a:solidFill>
+                <a:srgbClr val="CCFFCC"/>
+              </a:solidFill>
+            </p:spPr>
+          </p:pic>
+          <p:sp>
+            <p:nvSpPr>
+              <p:cNvPr id="26" name="Oval 25"/>
+              <p:cNvSpPr/>
+              <p:nvPr/>
+            </p:nvSpPr>
+            <p:spPr>
+              <a:xfrm>
+                <a:off x="1930555" y="2241564"/>
+                <a:ext cx="567489" cy="567559"/>
+              </a:xfrm>
+              <a:prstGeom prst="ellipse">
+                <a:avLst/>
+              </a:prstGeom>
+              <a:solidFill>
+                <a:srgbClr val="C0504D"/>
+              </a:solidFill>
+              <a:ln>
+                <a:noFill/>
+              </a:ln>
+            </p:spPr>
+            <p:style>
+              <a:lnRef idx="1">
+                <a:schemeClr val="accent1"/>
+              </a:lnRef>
+              <a:fillRef idx="3">
+                <a:schemeClr val="accent1"/>
+              </a:fillRef>
+              <a:effectRef idx="2">
+                <a:schemeClr val="accent1"/>
+              </a:effectRef>
+              <a:fontRef idx="minor">
+                <a:schemeClr val="lt1"/>
+              </a:fontRef>
+            </p:style>
+            <p:txBody>
+              <a:bodyPr rtlCol="0" anchor="ctr"/>
+              <a:lstStyle/>
+              <a:p>
+                <a:pPr algn="ctr"/>
+                <a:endParaRPr lang="en-US"/>
+              </a:p>
+            </p:txBody>
+          </p:sp>
+          <p:sp>
+            <p:nvSpPr>
+              <p:cNvPr id="27" name="Oval 26"/>
+              <p:cNvSpPr/>
+              <p:nvPr/>
+            </p:nvSpPr>
+            <p:spPr>
+              <a:xfrm>
+                <a:off x="3658805" y="2241564"/>
+                <a:ext cx="567489" cy="567559"/>
+              </a:xfrm>
+              <a:prstGeom prst="ellipse">
+                <a:avLst/>
+              </a:prstGeom>
+              <a:solidFill>
+                <a:srgbClr val="C0504D"/>
+              </a:solidFill>
+              <a:ln>
+                <a:noFill/>
+              </a:ln>
+            </p:spPr>
+            <p:style>
+              <a:lnRef idx="1">
+                <a:schemeClr val="accent1"/>
+              </a:lnRef>
+              <a:fillRef idx="3">
+                <a:schemeClr val="accent1"/>
+              </a:fillRef>
+              <a:effectRef idx="2">
+                <a:schemeClr val="accent1"/>
+              </a:effectRef>
+              <a:fontRef idx="minor">
+                <a:schemeClr val="lt1"/>
+              </a:fontRef>
+            </p:style>
+            <p:txBody>
+              <a:bodyPr rtlCol="0" anchor="ctr"/>
+              <a:lstStyle/>
+              <a:p>
+                <a:pPr algn="ctr"/>
+                <a:endParaRPr lang="en-US"/>
+              </a:p>
+            </p:txBody>
+          </p:sp>
+        </p:grpSp>
+        <p:grpSp>
+          <p:nvGrpSpPr>
+            <p:cNvPr id="51" name="Group 50"/>
+            <p:cNvGrpSpPr/>
+            <p:nvPr/>
+          </p:nvGrpSpPr>
+          <p:grpSpPr>
+            <a:xfrm>
+              <a:off x="6412983" y="1265658"/>
+              <a:ext cx="6096000" cy="1624426"/>
+              <a:chOff x="6412983" y="1265658"/>
+              <a:chExt cx="6096000" cy="1624426"/>
+            </a:xfrm>
+          </p:grpSpPr>
+          <p:pic>
+            <p:nvPicPr>
+              <p:cNvPr id="11" name="Picture 10" descr="boxes.png"/>
+              <p:cNvPicPr>
+                <a:picLocks noChangeAspect="1"/>
+              </p:cNvPicPr>
+              <p:nvPr/>
+            </p:nvPicPr>
+            <p:blipFill>
+              <a:blip r:embed="rId3">
+                <a:extLst>
+                  <a:ext uri="{28A0092B-C50C-407E-A947-70E740481C1C}">
+                    <a14:useLocalDpi xmlns:a14="http://schemas.microsoft.com/office/drawing/2010/main" val="0"/>
+                  </a:ext>
+                </a:extLst>
+              </a:blip>
+              <a:stretch>
+                <a:fillRect/>
+              </a:stretch>
+            </p:blipFill>
+            <p:spPr>
+              <a:xfrm>
+                <a:off x="6412983" y="2018356"/>
+                <a:ext cx="6096000" cy="871728"/>
+              </a:xfrm>
+              <a:prstGeom prst="rect">
+                <a:avLst/>
+              </a:prstGeom>
+              <a:solidFill>
+                <a:schemeClr val="accent5">
+                  <a:lumMod val="60000"/>
+                  <a:lumOff val="40000"/>
+                </a:schemeClr>
+              </a:solidFill>
+            </p:spPr>
+          </p:pic>
+          <p:grpSp>
+            <p:nvGrpSpPr>
+              <p:cNvPr id="9" name="Group 8"/>
+              <p:cNvGrpSpPr/>
+              <p:nvPr/>
+            </p:nvGrpSpPr>
+            <p:grpSpPr>
+              <a:xfrm>
+                <a:off x="6574167" y="2264532"/>
+                <a:ext cx="5122489" cy="604346"/>
+                <a:chOff x="1729489" y="5656067"/>
+                <a:chExt cx="5122489" cy="604346"/>
+              </a:xfrm>
+            </p:grpSpPr>
+            <p:sp>
+              <p:nvSpPr>
+                <p:cNvPr id="13" name="Oval 12"/>
+                <p:cNvSpPr/>
+                <p:nvPr/>
+              </p:nvSpPr>
+              <p:spPr>
+                <a:xfrm>
+                  <a:off x="1729489" y="5692854"/>
+                  <a:ext cx="567489" cy="567559"/>
+                </a:xfrm>
+                <a:prstGeom prst="ellipse">
+                  <a:avLst/>
+                </a:prstGeom>
+                <a:solidFill>
+                  <a:srgbClr val="C0504D"/>
+                </a:solidFill>
+                <a:ln>
+                  <a:noFill/>
+                </a:ln>
+              </p:spPr>
+              <p:style>
+                <a:lnRef idx="1">
+                  <a:schemeClr val="accent1"/>
+                </a:lnRef>
+                <a:fillRef idx="3">
+                  <a:schemeClr val="accent1"/>
+                </a:fillRef>
+                <a:effectRef idx="2">
+                  <a:schemeClr val="accent1"/>
+                </a:effectRef>
+                <a:fontRef idx="minor">
+                  <a:schemeClr val="lt1"/>
+                </a:fontRef>
+              </p:style>
+              <p:txBody>
+                <a:bodyPr rtlCol="0" anchor="ctr"/>
+                <a:lstStyle/>
+                <a:p>
+                  <a:pPr algn="ctr"/>
+                  <a:endParaRPr lang="en-US"/>
+                </a:p>
+              </p:txBody>
+            </p:sp>
+            <p:sp>
+              <p:nvSpPr>
+                <p:cNvPr id="14" name="Oval 13"/>
+                <p:cNvSpPr/>
+                <p:nvPr/>
+              </p:nvSpPr>
+              <p:spPr>
+                <a:xfrm>
+                  <a:off x="3151983" y="5656067"/>
+                  <a:ext cx="567489" cy="567559"/>
+                </a:xfrm>
+                <a:prstGeom prst="ellipse">
+                  <a:avLst/>
+                </a:prstGeom>
+                <a:solidFill>
+                  <a:srgbClr val="C0504D"/>
+                </a:solidFill>
+                <a:ln>
+                  <a:noFill/>
+                </a:ln>
+              </p:spPr>
+              <p:style>
+                <a:lnRef idx="1">
+                  <a:schemeClr val="accent1"/>
+                </a:lnRef>
+                <a:fillRef idx="3">
+                  <a:schemeClr val="accent1"/>
+                </a:fillRef>
+                <a:effectRef idx="2">
+                  <a:schemeClr val="accent1"/>
+                </a:effectRef>
+                <a:fontRef idx="minor">
+                  <a:schemeClr val="lt1"/>
+                </a:fontRef>
+              </p:style>
+              <p:txBody>
+                <a:bodyPr rtlCol="0" anchor="ctr"/>
+                <a:lstStyle/>
+                <a:p>
+                  <a:pPr algn="ctr"/>
+                  <a:endParaRPr lang="en-US"/>
+                </a:p>
+              </p:txBody>
+            </p:sp>
+            <p:sp>
+              <p:nvSpPr>
+                <p:cNvPr id="16" name="Oval 15"/>
+                <p:cNvSpPr/>
+                <p:nvPr/>
+              </p:nvSpPr>
+              <p:spPr>
+                <a:xfrm>
+                  <a:off x="6284489" y="5683093"/>
+                  <a:ext cx="567489" cy="567559"/>
+                </a:xfrm>
+                <a:prstGeom prst="ellipse">
+                  <a:avLst/>
+                </a:prstGeom>
+                <a:solidFill>
+                  <a:srgbClr val="C0504D"/>
+                </a:solidFill>
+                <a:ln>
+                  <a:noFill/>
+                </a:ln>
+              </p:spPr>
+              <p:style>
+                <a:lnRef idx="1">
+                  <a:schemeClr val="accent1"/>
+                </a:lnRef>
+                <a:fillRef idx="3">
+                  <a:schemeClr val="accent1"/>
+                </a:fillRef>
+                <a:effectRef idx="2">
+                  <a:schemeClr val="accent1"/>
+                </a:effectRef>
+                <a:fontRef idx="minor">
+                  <a:schemeClr val="lt1"/>
+                </a:fontRef>
+              </p:style>
+              <p:txBody>
+                <a:bodyPr rtlCol="0" anchor="ctr"/>
+                <a:lstStyle/>
+                <a:p>
+                  <a:pPr algn="ctr"/>
+                  <a:endParaRPr lang="en-US"/>
+                </a:p>
+              </p:txBody>
+            </p:sp>
+          </p:grpSp>
+          <p:sp>
+            <p:nvSpPr>
+              <p:cNvPr id="41" name="TextBox 40"/>
+              <p:cNvSpPr txBox="1"/>
+              <p:nvPr/>
+            </p:nvSpPr>
+            <p:spPr>
+              <a:xfrm>
+                <a:off x="9112532" y="1265658"/>
+                <a:ext cx="673615" cy="769441"/>
+              </a:xfrm>
+              <a:prstGeom prst="rect">
+                <a:avLst/>
+              </a:prstGeom>
+              <a:noFill/>
+            </p:spPr>
+            <p:txBody>
+              <a:bodyPr wrap="none" rtlCol="0">
+                <a:spAutoFit/>
+              </a:bodyPr>
+              <a:lstStyle/>
+              <a:p>
+                <a:r>
+                  <a:rPr lang="en-US" altLang="zh-CN" sz="4400" dirty="0" smtClean="0"/>
+                  <a:t>C</a:t>
+                </a:r>
+                <a:r>
+                  <a:rPr lang="zh-CN" altLang="zh-CN" sz="4400" baseline="-25000" dirty="0" smtClean="0"/>
+                  <a:t>2</a:t>
+                </a:r>
+                <a:endParaRPr lang="en-US" sz="4400" dirty="0"/>
+              </a:p>
+            </p:txBody>
+          </p:sp>
+        </p:grpSp>
+        <p:grpSp>
+          <p:nvGrpSpPr>
+            <p:cNvPr id="52" name="Group 51"/>
+            <p:cNvGrpSpPr/>
+            <p:nvPr/>
+          </p:nvGrpSpPr>
+          <p:grpSpPr>
+            <a:xfrm>
+              <a:off x="2366699" y="2948313"/>
+              <a:ext cx="1656613" cy="3682614"/>
+              <a:chOff x="2366699" y="2948313"/>
+              <a:chExt cx="1656613" cy="3682614"/>
+            </a:xfrm>
+          </p:grpSpPr>
+          <p:sp>
+            <p:nvSpPr>
+              <p:cNvPr id="10" name="Down Arrow 9"/>
+              <p:cNvSpPr/>
+              <p:nvPr/>
+            </p:nvSpPr>
+            <p:spPr>
+              <a:xfrm>
+                <a:off x="3142519" y="2948313"/>
+                <a:ext cx="432369" cy="1667534"/>
+              </a:xfrm>
+              <a:prstGeom prst="downArrow">
+                <a:avLst/>
+              </a:prstGeom>
+              <a:solidFill>
+                <a:schemeClr val="tx1"/>
+              </a:solidFill>
+              <a:ln>
+                <a:noFill/>
+              </a:ln>
+            </p:spPr>
+            <p:style>
+              <a:lnRef idx="1">
+                <a:schemeClr val="accent1"/>
+              </a:lnRef>
+              <a:fillRef idx="3">
+                <a:schemeClr val="accent1"/>
+              </a:fillRef>
+              <a:effectRef idx="2">
+                <a:schemeClr val="accent1"/>
+              </a:effectRef>
+              <a:fontRef idx="minor">
+                <a:schemeClr val="lt1"/>
+              </a:fontRef>
+            </p:style>
+            <p:txBody>
+              <a:bodyPr rtlCol="0" anchor="ctr"/>
+              <a:lstStyle/>
+              <a:p>
+                <a:pPr algn="ctr"/>
+                <a:endParaRPr lang="en-US"/>
+              </a:p>
+            </p:txBody>
+          </p:sp>
+          <p:grpSp>
+            <p:nvGrpSpPr>
+              <p:cNvPr id="30" name="Group 29"/>
+              <p:cNvGrpSpPr/>
+              <p:nvPr/>
+            </p:nvGrpSpPr>
+            <p:grpSpPr>
+              <a:xfrm>
+                <a:off x="2498044" y="4594523"/>
+                <a:ext cx="1525268" cy="486478"/>
+                <a:chOff x="2498044" y="4594523"/>
+                <a:chExt cx="1525268" cy="486478"/>
+              </a:xfrm>
+            </p:grpSpPr>
+            <p:sp>
+              <p:nvSpPr>
+                <p:cNvPr id="28" name="Isosceles Triangle 27"/>
+                <p:cNvSpPr/>
+                <p:nvPr/>
+              </p:nvSpPr>
+              <p:spPr>
+                <a:xfrm>
+                  <a:off x="2498044" y="4594523"/>
+                  <a:ext cx="606787" cy="486478"/>
+                </a:xfrm>
+                <a:prstGeom prst="triangle">
+                  <a:avLst/>
+                </a:prstGeom>
+                <a:solidFill>
+                  <a:srgbClr val="CCFFCC"/>
+                </a:solidFill>
+                <a:ln>
+                  <a:noFill/>
+                </a:ln>
+              </p:spPr>
+              <p:style>
+                <a:lnRef idx="1">
+                  <a:schemeClr val="accent1"/>
+                </a:lnRef>
+                <a:fillRef idx="3">
+                  <a:schemeClr val="accent1"/>
+                </a:fillRef>
+                <a:effectRef idx="2">
+                  <a:schemeClr val="accent1"/>
+                </a:effectRef>
+                <a:fontRef idx="minor">
+                  <a:schemeClr val="lt1"/>
+                </a:fontRef>
+              </p:style>
+              <p:txBody>
+                <a:bodyPr rtlCol="0" anchor="ctr"/>
+                <a:lstStyle/>
+                <a:p>
+                  <a:pPr algn="ctr"/>
+                  <a:endParaRPr lang="en-US"/>
+                </a:p>
+              </p:txBody>
+            </p:sp>
+            <p:sp>
+              <p:nvSpPr>
+                <p:cNvPr id="29" name="Isosceles Triangle 28"/>
+                <p:cNvSpPr/>
+                <p:nvPr/>
+              </p:nvSpPr>
+              <p:spPr>
+                <a:xfrm>
+                  <a:off x="3416525" y="4594523"/>
+                  <a:ext cx="606787" cy="486478"/>
+                </a:xfrm>
+                <a:prstGeom prst="triangle">
+                  <a:avLst/>
+                </a:prstGeom>
+                <a:solidFill>
+                  <a:srgbClr val="CCFFCC"/>
+                </a:solidFill>
+                <a:ln>
+                  <a:noFill/>
+                </a:ln>
+              </p:spPr>
+              <p:style>
+                <a:lnRef idx="1">
+                  <a:schemeClr val="accent1"/>
+                </a:lnRef>
+                <a:fillRef idx="3">
+                  <a:schemeClr val="accent1"/>
+                </a:fillRef>
+                <a:effectRef idx="2">
+                  <a:schemeClr val="accent1"/>
+                </a:effectRef>
+                <a:fontRef idx="minor">
+                  <a:schemeClr val="lt1"/>
+                </a:fontRef>
+              </p:style>
+              <p:txBody>
+                <a:bodyPr rtlCol="0" anchor="ctr"/>
+                <a:lstStyle/>
+                <a:p>
+                  <a:pPr algn="ctr"/>
+                  <a:endParaRPr lang="en-US"/>
+                </a:p>
+              </p:txBody>
+            </p:sp>
+          </p:grpSp>
+          <p:sp>
+            <p:nvSpPr>
+              <p:cNvPr id="36" name="Oval 35"/>
+              <p:cNvSpPr/>
+              <p:nvPr/>
+            </p:nvSpPr>
+            <p:spPr>
+              <a:xfrm>
+                <a:off x="2366699" y="5241517"/>
+                <a:ext cx="567489" cy="567559"/>
+              </a:xfrm>
+              <a:prstGeom prst="ellipse">
+                <a:avLst/>
+              </a:prstGeom>
+              <a:solidFill>
+                <a:srgbClr val="C0504D"/>
+              </a:solidFill>
+              <a:ln>
+                <a:noFill/>
+              </a:ln>
+            </p:spPr>
+            <p:style>
+              <a:lnRef idx="1">
+                <a:schemeClr val="accent1"/>
+              </a:lnRef>
+              <a:fillRef idx="3">
+                <a:schemeClr val="accent1"/>
+              </a:fillRef>
+              <a:effectRef idx="2">
+                <a:schemeClr val="accent1"/>
+              </a:effectRef>
+              <a:fontRef idx="minor">
+                <a:schemeClr val="lt1"/>
+              </a:fontRef>
+            </p:style>
+            <p:txBody>
+              <a:bodyPr rtlCol="0" anchor="ctr"/>
+              <a:lstStyle/>
+              <a:p>
+                <a:pPr algn="ctr"/>
+                <a:endParaRPr lang="en-US"/>
+              </a:p>
+            </p:txBody>
+          </p:sp>
+          <p:sp>
+            <p:nvSpPr>
+              <p:cNvPr id="37" name="Oval 36"/>
+              <p:cNvSpPr/>
+              <p:nvPr/>
+            </p:nvSpPr>
+            <p:spPr>
+              <a:xfrm>
+                <a:off x="3455823" y="5241517"/>
+                <a:ext cx="567489" cy="567559"/>
+              </a:xfrm>
+              <a:prstGeom prst="ellipse">
+                <a:avLst/>
+              </a:prstGeom>
+              <a:solidFill>
+                <a:srgbClr val="C0504D"/>
+              </a:solidFill>
+              <a:ln>
+                <a:noFill/>
+              </a:ln>
+            </p:spPr>
+            <p:style>
+              <a:lnRef idx="1">
+                <a:schemeClr val="accent1"/>
+              </a:lnRef>
+              <a:fillRef idx="3">
+                <a:schemeClr val="accent1"/>
+              </a:fillRef>
+              <a:effectRef idx="2">
+                <a:schemeClr val="accent1"/>
+              </a:effectRef>
+              <a:fontRef idx="minor">
+                <a:schemeClr val="lt1"/>
+              </a:fontRef>
+            </p:style>
+            <p:txBody>
+              <a:bodyPr rtlCol="0" anchor="ctr"/>
+              <a:lstStyle/>
+              <a:p>
+                <a:pPr algn="ctr"/>
+                <a:endParaRPr lang="en-US"/>
+              </a:p>
+            </p:txBody>
+          </p:sp>
+          <p:sp>
+            <p:nvSpPr>
+              <p:cNvPr id="42" name="TextBox 41"/>
+              <p:cNvSpPr txBox="1"/>
+              <p:nvPr/>
+            </p:nvSpPr>
+            <p:spPr>
+              <a:xfrm>
+                <a:off x="2747719" y="5861486"/>
+                <a:ext cx="681697" cy="769441"/>
+              </a:xfrm>
+              <a:prstGeom prst="rect">
+                <a:avLst/>
+              </a:prstGeom>
+              <a:noFill/>
+            </p:spPr>
+            <p:txBody>
+              <a:bodyPr wrap="none" rtlCol="0">
+                <a:spAutoFit/>
+              </a:bodyPr>
+              <a:lstStyle/>
+              <a:p>
+                <a:r>
+                  <a:rPr lang="en-US" altLang="zh-CN" sz="4400" dirty="0" smtClean="0"/>
+                  <a:t>R</a:t>
+                </a:r>
+                <a:r>
+                  <a:rPr lang="en-US" altLang="zh-CN" sz="4400" baseline="-25000" dirty="0" smtClean="0"/>
+                  <a:t>1</a:t>
+                </a:r>
+                <a:endParaRPr lang="en-US" sz="4400" dirty="0"/>
+              </a:p>
+            </p:txBody>
+          </p:sp>
+        </p:grpSp>
+        <p:grpSp>
+          <p:nvGrpSpPr>
+            <p:cNvPr id="53" name="Group 52"/>
+            <p:cNvGrpSpPr/>
+            <p:nvPr/>
+          </p:nvGrpSpPr>
+          <p:grpSpPr>
+            <a:xfrm>
+              <a:off x="7813877" y="2965578"/>
+              <a:ext cx="3044020" cy="3665349"/>
+              <a:chOff x="7813877" y="2965578"/>
+              <a:chExt cx="3044020" cy="3665349"/>
+            </a:xfrm>
+          </p:grpSpPr>
+          <p:grpSp>
+            <p:nvGrpSpPr>
+              <p:cNvPr id="31" name="Group 30"/>
+              <p:cNvGrpSpPr/>
+              <p:nvPr/>
+            </p:nvGrpSpPr>
+            <p:grpSpPr>
+              <a:xfrm>
+                <a:off x="8381366" y="4594523"/>
+                <a:ext cx="1525268" cy="486478"/>
+                <a:chOff x="2498044" y="4594523"/>
+                <a:chExt cx="1525268" cy="486478"/>
+              </a:xfrm>
+              <a:solidFill>
+                <a:schemeClr val="accent5">
+                  <a:lumMod val="60000"/>
+                  <a:lumOff val="40000"/>
+                </a:schemeClr>
+              </a:solidFill>
+            </p:grpSpPr>
+            <p:sp>
+              <p:nvSpPr>
+                <p:cNvPr id="32" name="Isosceles Triangle 31"/>
+                <p:cNvSpPr/>
+                <p:nvPr/>
+              </p:nvSpPr>
+              <p:spPr>
+                <a:xfrm>
+                  <a:off x="2498044" y="4594523"/>
+                  <a:ext cx="606787" cy="486478"/>
+                </a:xfrm>
+                <a:prstGeom prst="triangle">
+                  <a:avLst/>
+                </a:prstGeom>
+                <a:grpFill/>
+                <a:ln>
+                  <a:noFill/>
+                </a:ln>
+              </p:spPr>
+              <p:style>
+                <a:lnRef idx="1">
+                  <a:schemeClr val="accent1"/>
+                </a:lnRef>
+                <a:fillRef idx="3">
+                  <a:schemeClr val="accent1"/>
+                </a:fillRef>
+                <a:effectRef idx="2">
+                  <a:schemeClr val="accent1"/>
+                </a:effectRef>
+                <a:fontRef idx="minor">
+                  <a:schemeClr val="lt1"/>
+                </a:fontRef>
+              </p:style>
+              <p:txBody>
+                <a:bodyPr rtlCol="0" anchor="ctr"/>
+                <a:lstStyle/>
+                <a:p>
+                  <a:pPr algn="ctr"/>
+                  <a:endParaRPr lang="en-US"/>
+                </a:p>
+              </p:txBody>
+            </p:sp>
+            <p:sp>
+              <p:nvSpPr>
+                <p:cNvPr id="33" name="Isosceles Triangle 32"/>
+                <p:cNvSpPr/>
+                <p:nvPr/>
+              </p:nvSpPr>
+              <p:spPr>
+                <a:xfrm>
+                  <a:off x="3416525" y="4594523"/>
+                  <a:ext cx="606787" cy="486478"/>
+                </a:xfrm>
+                <a:prstGeom prst="triangle">
+                  <a:avLst/>
+                </a:prstGeom>
+                <a:grpFill/>
+                <a:ln>
+                  <a:noFill/>
+                </a:ln>
+              </p:spPr>
+              <p:style>
+                <a:lnRef idx="1">
+                  <a:schemeClr val="accent1"/>
+                </a:lnRef>
+                <a:fillRef idx="3">
+                  <a:schemeClr val="accent1"/>
+                </a:fillRef>
+                <a:effectRef idx="2">
+                  <a:schemeClr val="accent1"/>
+                </a:effectRef>
+                <a:fontRef idx="minor">
+                  <a:schemeClr val="lt1"/>
+                </a:fontRef>
+              </p:style>
+              <p:txBody>
+                <a:bodyPr rtlCol="0" anchor="ctr"/>
+                <a:lstStyle/>
+                <a:p>
+                  <a:pPr algn="ctr"/>
+                  <a:endParaRPr lang="en-US"/>
+                </a:p>
+              </p:txBody>
+            </p:sp>
+          </p:grpSp>
+          <p:sp>
+            <p:nvSpPr>
+              <p:cNvPr id="34" name="Isosceles Triangle 33"/>
+              <p:cNvSpPr/>
+              <p:nvPr/>
+            </p:nvSpPr>
+            <p:spPr>
+              <a:xfrm>
+                <a:off x="10194149" y="4594523"/>
+                <a:ext cx="606787" cy="486478"/>
+              </a:xfrm>
+              <a:prstGeom prst="triangle">
+                <a:avLst/>
+              </a:prstGeom>
+              <a:solidFill>
+                <a:schemeClr val="accent5">
+                  <a:lumMod val="60000"/>
+                  <a:lumOff val="40000"/>
+                </a:schemeClr>
+              </a:solidFill>
+              <a:ln>
+                <a:noFill/>
+              </a:ln>
+            </p:spPr>
+            <p:style>
+              <a:lnRef idx="1">
+                <a:schemeClr val="accent1"/>
+              </a:lnRef>
+              <a:fillRef idx="3">
+                <a:schemeClr val="accent1"/>
+              </a:fillRef>
+              <a:effectRef idx="2">
+                <a:schemeClr val="accent1"/>
+              </a:effectRef>
+              <a:fontRef idx="minor">
+                <a:schemeClr val="lt1"/>
+              </a:fontRef>
+            </p:style>
+            <p:txBody>
+              <a:bodyPr rtlCol="0" anchor="ctr"/>
+              <a:lstStyle/>
+              <a:p>
+                <a:pPr algn="ctr"/>
+                <a:endParaRPr lang="en-US"/>
+              </a:p>
+            </p:txBody>
+          </p:sp>
+          <p:sp>
+            <p:nvSpPr>
+              <p:cNvPr id="35" name="Down Arrow 34"/>
+              <p:cNvSpPr/>
+              <p:nvPr/>
+            </p:nvSpPr>
+            <p:spPr>
+              <a:xfrm>
+                <a:off x="9474265" y="2965578"/>
+                <a:ext cx="432369" cy="1667534"/>
+              </a:xfrm>
+              <a:prstGeom prst="downArrow">
+                <a:avLst/>
+              </a:prstGeom>
+              <a:solidFill>
+                <a:schemeClr val="tx1"/>
+              </a:solidFill>
+              <a:ln>
+                <a:noFill/>
+              </a:ln>
+            </p:spPr>
+            <p:style>
+              <a:lnRef idx="1">
+                <a:schemeClr val="accent1"/>
+              </a:lnRef>
+              <a:fillRef idx="3">
+                <a:schemeClr val="accent1"/>
+              </a:fillRef>
+              <a:effectRef idx="2">
+                <a:schemeClr val="accent1"/>
+              </a:effectRef>
+              <a:fontRef idx="minor">
+                <a:schemeClr val="lt1"/>
+              </a:fontRef>
+            </p:style>
+            <p:txBody>
+              <a:bodyPr rtlCol="0" anchor="ctr"/>
+              <a:lstStyle/>
+              <a:p>
+                <a:pPr algn="ctr"/>
+                <a:endParaRPr lang="en-US"/>
+              </a:p>
+            </p:txBody>
+          </p:sp>
+          <p:sp>
+            <p:nvSpPr>
+              <p:cNvPr id="38" name="Oval 37"/>
+              <p:cNvSpPr/>
+              <p:nvPr/>
+            </p:nvSpPr>
+            <p:spPr>
+              <a:xfrm>
+                <a:off x="7813877" y="5293927"/>
+                <a:ext cx="567489" cy="567559"/>
+              </a:xfrm>
+              <a:prstGeom prst="ellipse">
+                <a:avLst/>
+              </a:prstGeom>
+              <a:solidFill>
+                <a:srgbClr val="C0504D"/>
+              </a:solidFill>
+              <a:ln>
+                <a:noFill/>
+              </a:ln>
+            </p:spPr>
+            <p:style>
+              <a:lnRef idx="1">
+                <a:schemeClr val="accent1"/>
+              </a:lnRef>
+              <a:fillRef idx="3">
+                <a:schemeClr val="accent1"/>
+              </a:fillRef>
+              <a:effectRef idx="2">
+                <a:schemeClr val="accent1"/>
+              </a:effectRef>
+              <a:fontRef idx="minor">
+                <a:schemeClr val="lt1"/>
+              </a:fontRef>
+            </p:style>
+            <p:txBody>
+              <a:bodyPr rtlCol="0" anchor="ctr"/>
+              <a:lstStyle/>
+              <a:p>
+                <a:pPr algn="ctr"/>
+                <a:endParaRPr lang="en-US"/>
+              </a:p>
+            </p:txBody>
+          </p:sp>
+          <p:sp>
+            <p:nvSpPr>
+              <p:cNvPr id="39" name="Oval 38"/>
+              <p:cNvSpPr/>
+              <p:nvPr/>
+            </p:nvSpPr>
+            <p:spPr>
+              <a:xfrm>
+                <a:off x="8704408" y="5293927"/>
+                <a:ext cx="567489" cy="567559"/>
+              </a:xfrm>
+              <a:prstGeom prst="ellipse">
+                <a:avLst/>
+              </a:prstGeom>
+              <a:solidFill>
+                <a:srgbClr val="C0504D"/>
+              </a:solidFill>
+              <a:ln>
+                <a:noFill/>
+              </a:ln>
+            </p:spPr>
+            <p:style>
+              <a:lnRef idx="1">
+                <a:schemeClr val="accent1"/>
+              </a:lnRef>
+              <a:fillRef idx="3">
+                <a:schemeClr val="accent1"/>
+              </a:fillRef>
+              <a:effectRef idx="2">
+                <a:schemeClr val="accent1"/>
+              </a:effectRef>
+              <a:fontRef idx="minor">
+                <a:schemeClr val="lt1"/>
+              </a:fontRef>
+            </p:style>
+            <p:txBody>
+              <a:bodyPr rtlCol="0" anchor="ctr"/>
+              <a:lstStyle/>
+              <a:p>
+                <a:pPr algn="ctr"/>
+                <a:endParaRPr lang="en-US"/>
+              </a:p>
+            </p:txBody>
+          </p:sp>
+          <p:sp>
+            <p:nvSpPr>
+              <p:cNvPr id="40" name="Oval 39"/>
+              <p:cNvSpPr/>
+              <p:nvPr/>
+            </p:nvSpPr>
+            <p:spPr>
+              <a:xfrm>
+                <a:off x="10290408" y="5293927"/>
+                <a:ext cx="567489" cy="567559"/>
+              </a:xfrm>
+              <a:prstGeom prst="ellipse">
+                <a:avLst/>
+              </a:prstGeom>
+              <a:solidFill>
+                <a:srgbClr val="C0504D"/>
+              </a:solidFill>
+              <a:ln>
+                <a:noFill/>
+              </a:ln>
+            </p:spPr>
+            <p:style>
+              <a:lnRef idx="1">
+                <a:schemeClr val="accent1"/>
+              </a:lnRef>
+              <a:fillRef idx="3">
+                <a:schemeClr val="accent1"/>
+              </a:fillRef>
+              <a:effectRef idx="2">
+                <a:schemeClr val="accent1"/>
+              </a:effectRef>
+              <a:fontRef idx="minor">
+                <a:schemeClr val="lt1"/>
+              </a:fontRef>
+            </p:style>
+            <p:txBody>
+              <a:bodyPr rtlCol="0" anchor="ctr"/>
+              <a:lstStyle/>
+              <a:p>
+                <a:pPr algn="ctr"/>
+                <a:endParaRPr lang="en-US"/>
+              </a:p>
+            </p:txBody>
+          </p:sp>
+          <p:sp>
+            <p:nvSpPr>
+              <p:cNvPr id="43" name="TextBox 42"/>
+              <p:cNvSpPr txBox="1"/>
+              <p:nvPr/>
+            </p:nvSpPr>
+            <p:spPr>
+              <a:xfrm>
+                <a:off x="9222397" y="5861486"/>
+                <a:ext cx="679125" cy="769441"/>
+              </a:xfrm>
+              <a:prstGeom prst="rect">
+                <a:avLst/>
+              </a:prstGeom>
+              <a:noFill/>
+            </p:spPr>
+            <p:txBody>
+              <a:bodyPr wrap="none" rtlCol="0">
+                <a:spAutoFit/>
+              </a:bodyPr>
+              <a:lstStyle/>
+              <a:p>
+                <a:r>
+                  <a:rPr lang="en-US" altLang="zh-CN" sz="4400" dirty="0" smtClean="0"/>
+                  <a:t>R</a:t>
+                </a:r>
+                <a:r>
+                  <a:rPr lang="zh-CN" altLang="zh-CN" sz="4400" baseline="-25000" dirty="0"/>
+                  <a:t>2</a:t>
+                </a:r>
+                <a:endParaRPr lang="en-US" sz="4400" dirty="0"/>
+              </a:p>
+            </p:txBody>
+          </p:sp>
+        </p:grpSp>
+        <p:grpSp>
+          <p:nvGrpSpPr>
+            <p:cNvPr id="49" name="Group 48"/>
+            <p:cNvGrpSpPr/>
+            <p:nvPr/>
+          </p:nvGrpSpPr>
+          <p:grpSpPr>
+            <a:xfrm>
+              <a:off x="13010019" y="4286780"/>
+              <a:ext cx="3073522" cy="2246769"/>
+              <a:chOff x="13010019" y="4286780"/>
+              <a:chExt cx="3073522" cy="2246769"/>
+            </a:xfrm>
+          </p:grpSpPr>
+          <p:sp>
+            <p:nvSpPr>
+              <p:cNvPr id="44" name="Oval 43"/>
+              <p:cNvSpPr/>
+              <p:nvPr/>
+            </p:nvSpPr>
+            <p:spPr>
+              <a:xfrm>
+                <a:off x="13010019" y="4349332"/>
+                <a:ext cx="567489" cy="567559"/>
+              </a:xfrm>
+              <a:prstGeom prst="ellipse">
+                <a:avLst/>
+              </a:prstGeom>
+              <a:solidFill>
+                <a:srgbClr val="C0504D"/>
+              </a:solidFill>
+              <a:ln>
+                <a:noFill/>
+              </a:ln>
+            </p:spPr>
+            <p:style>
+              <a:lnRef idx="1">
+                <a:schemeClr val="accent1"/>
+              </a:lnRef>
+              <a:fillRef idx="3">
+                <a:schemeClr val="accent1"/>
+              </a:fillRef>
+              <a:effectRef idx="2">
+                <a:schemeClr val="accent1"/>
+              </a:effectRef>
+              <a:fontRef idx="minor">
+                <a:schemeClr val="lt1"/>
+              </a:fontRef>
+            </p:style>
+            <p:txBody>
+              <a:bodyPr rtlCol="0" anchor="ctr"/>
+              <a:lstStyle/>
+              <a:p>
+                <a:pPr algn="ctr"/>
+                <a:endParaRPr lang="en-US"/>
+              </a:p>
+            </p:txBody>
+          </p:sp>
+          <p:sp>
+            <p:nvSpPr>
+              <p:cNvPr id="45" name="Rectangle 44"/>
+              <p:cNvSpPr/>
+              <p:nvPr/>
+            </p:nvSpPr>
+            <p:spPr>
+              <a:xfrm>
+                <a:off x="13010019" y="5106383"/>
+                <a:ext cx="567489" cy="648638"/>
+              </a:xfrm>
+              <a:prstGeom prst="rect">
+                <a:avLst/>
+              </a:prstGeom>
+              <a:ln>
+                <a:solidFill>
+                  <a:schemeClr val="tx1"/>
+                </a:solidFill>
+              </a:ln>
+            </p:spPr>
+            <p:style>
+              <a:lnRef idx="1">
+                <a:schemeClr val="accent1"/>
+              </a:lnRef>
+              <a:fillRef idx="3">
+                <a:schemeClr val="accent1"/>
+              </a:fillRef>
+              <a:effectRef idx="2">
+                <a:schemeClr val="accent1"/>
+              </a:effectRef>
+              <a:fontRef idx="minor">
+                <a:schemeClr val="lt1"/>
+              </a:fontRef>
+            </p:style>
+            <p:txBody>
+              <a:bodyPr rtlCol="0" anchor="ctr"/>
+              <a:lstStyle/>
+              <a:p>
+                <a:pPr algn="ctr"/>
+                <a:endParaRPr lang="en-US"/>
+              </a:p>
+            </p:txBody>
+          </p:sp>
+          <p:sp>
+            <p:nvSpPr>
+              <p:cNvPr id="46" name="Isosceles Triangle 45"/>
+              <p:cNvSpPr/>
+              <p:nvPr/>
+            </p:nvSpPr>
+            <p:spPr>
+              <a:xfrm>
+                <a:off x="13010019" y="5915539"/>
+                <a:ext cx="606787" cy="486478"/>
+              </a:xfrm>
+              <a:prstGeom prst="triangle">
+                <a:avLst/>
+              </a:prstGeom>
+              <a:solidFill>
+                <a:schemeClr val="tx2">
+                  <a:lumMod val="60000"/>
+                  <a:lumOff val="40000"/>
+                </a:schemeClr>
+              </a:solidFill>
+              <a:ln>
+                <a:noFill/>
+              </a:ln>
+            </p:spPr>
+            <p:style>
+              <a:lnRef idx="1">
+                <a:schemeClr val="accent1"/>
+              </a:lnRef>
+              <a:fillRef idx="3">
+                <a:schemeClr val="accent1"/>
+              </a:fillRef>
+              <a:effectRef idx="2">
+                <a:schemeClr val="accent1"/>
+              </a:effectRef>
+              <a:fontRef idx="minor">
+                <a:schemeClr val="lt1"/>
+              </a:fontRef>
+            </p:style>
+            <p:txBody>
+              <a:bodyPr rtlCol="0" anchor="ctr"/>
+              <a:lstStyle/>
+              <a:p>
+                <a:pPr algn="ctr"/>
+                <a:endParaRPr lang="en-US"/>
+              </a:p>
+            </p:txBody>
+          </p:sp>
+          <p:sp>
+            <p:nvSpPr>
+              <p:cNvPr id="47" name="TextBox 46"/>
+              <p:cNvSpPr txBox="1"/>
+              <p:nvPr/>
+            </p:nvSpPr>
+            <p:spPr>
+              <a:xfrm>
+                <a:off x="13889962" y="4286780"/>
+                <a:ext cx="2193579" cy="2246769"/>
+              </a:xfrm>
+              <a:prstGeom prst="rect">
+                <a:avLst/>
+              </a:prstGeom>
+              <a:noFill/>
+            </p:spPr>
+            <p:txBody>
+              <a:bodyPr wrap="none" rtlCol="0">
+                <a:spAutoFit/>
+              </a:bodyPr>
+              <a:lstStyle/>
+              <a:p>
+                <a:r>
+                  <a:rPr lang="en-US" sz="2800" dirty="0" smtClean="0"/>
+                  <a:t>R</a:t>
+                </a:r>
+                <a:r>
+                  <a:rPr lang="en-US" altLang="zh-CN" sz="2800" dirty="0" smtClean="0"/>
+                  <a:t>esource</a:t>
+                </a:r>
+                <a:r>
+                  <a:rPr lang="zh-CN" altLang="en-US" sz="2800" dirty="0" smtClean="0"/>
+                  <a:t> </a:t>
+                </a:r>
+                <a:r>
+                  <a:rPr lang="en-US" altLang="zh-CN" sz="2800" dirty="0" smtClean="0"/>
+                  <a:t>unit</a:t>
+                </a:r>
+              </a:p>
+              <a:p>
+                <a:endParaRPr lang="en-US" altLang="zh-CN" sz="2800" dirty="0" smtClean="0"/>
+              </a:p>
+              <a:p>
+                <a:r>
+                  <a:rPr lang="en-US" sz="2800" dirty="0" smtClean="0"/>
+                  <a:t>Capacity</a:t>
+                </a:r>
+                <a:r>
+                  <a:rPr lang="zh-CN" altLang="en-US" sz="2800" dirty="0" smtClean="0"/>
+                  <a:t> </a:t>
+                </a:r>
+                <a:r>
+                  <a:rPr lang="en-US" altLang="zh-CN" sz="2800" dirty="0" smtClean="0"/>
+                  <a:t>box</a:t>
+                </a:r>
+              </a:p>
+              <a:p>
+                <a:endParaRPr lang="en-US" altLang="zh-CN" sz="2800" dirty="0" smtClean="0"/>
+              </a:p>
+              <a:p>
+                <a:r>
+                  <a:rPr lang="en-US" sz="2800" dirty="0" smtClean="0"/>
+                  <a:t>Individual</a:t>
+                </a:r>
+                <a:endParaRPr lang="en-US" sz="2800" dirty="0"/>
+              </a:p>
+            </p:txBody>
+          </p:sp>
+        </p:grpSp>
+      </p:grpSp>
+    </p:spTree>
+    <p:extLst>
+      <p:ext uri="{BB962C8B-B14F-4D97-AF65-F5344CB8AC3E}">
+        <p14:creationId xmlns:p14="http://schemas.microsoft.com/office/powerpoint/2010/main" val="413624627"/>
+      </p:ext>
+    </p:extLst>
+  </p:cSld>
+  <p:clrMapOvr>
+    <a:masterClrMapping/>
+  </p:clrMapOvr>
+</p:sld>
+</file>
+
 <file path=ppt/theme/theme1.xml><?xml version="1.0" encoding="utf-8"?>
 <a:theme xmlns:a="http://schemas.openxmlformats.org/drawingml/2006/main" name="Office Theme">
   <a:themeElements>
